--- a/Slides/11 - Collections.pptx
+++ b/Slides/11 - Collections.pptx
@@ -5,10 +5,10 @@
     <p:sldMasterId id="2147484082" r:id="rId36"/>
   </p:sldMasterIdLst>
   <p:notesMasterIdLst>
-    <p:notesMasterId r:id="rId45"/>
+    <p:notesMasterId r:id="rId46"/>
   </p:notesMasterIdLst>
   <p:handoutMasterIdLst>
-    <p:handoutMasterId r:id="rId46"/>
+    <p:handoutMasterId r:id="rId47"/>
   </p:handoutMasterIdLst>
   <p:sldIdLst>
     <p:sldId id="283" r:id="rId37"/>
@@ -16,9 +16,10 @@
     <p:sldId id="291" r:id="rId39"/>
     <p:sldId id="292" r:id="rId40"/>
     <p:sldId id="294" r:id="rId41"/>
-    <p:sldId id="293" r:id="rId42"/>
-    <p:sldId id="295" r:id="rId43"/>
-    <p:sldId id="257" r:id="rId44"/>
+    <p:sldId id="296" r:id="rId42"/>
+    <p:sldId id="293" r:id="rId43"/>
+    <p:sldId id="295" r:id="rId44"/>
+    <p:sldId id="257" r:id="rId45"/>
   </p:sldIdLst>
   <p:sldSz cx="12436475" cy="6994525"/>
   <p:notesSz cx="6858000" cy="9144000"/>
@@ -127,6 +128,7 @@
             <p14:sldId id="291"/>
             <p14:sldId id="292"/>
             <p14:sldId id="294"/>
+            <p14:sldId id="296"/>
             <p14:sldId id="293"/>
             <p14:sldId id="295"/>
             <p14:sldId id="257"/>
@@ -6113,7 +6115,7 @@
               <a:rPr lang="en-US" smtClean="0">
                 <a:latin typeface="Segoe UI" pitchFamily="34" charset="0"/>
               </a:rPr>
-              <a:t>6/9/2019 4:27 PM</a:t>
+              <a:t>6/9/2019 5:08 PM</a:t>
             </a:fld>
             <a:endParaRPr lang="en-US" dirty="0">
               <a:latin typeface="Segoe UI" pitchFamily="34" charset="0"/>
@@ -6391,7 +6393,7 @@
           <a:p>
             <a:fld id="{38EEC551-8CDA-4EB6-89BB-2A86C9F091C8}" type="datetime8">
               <a:rPr lang="en-US" smtClean="0"/>
-              <a:t>6/9/2019 4:27 PM</a:t>
+              <a:t>6/9/2019 5:07 PM</a:t>
             </a:fld>
             <a:endParaRPr lang="en-US" dirty="0"/>
           </a:p>
@@ -6725,7 +6727,7 @@
           <a:p>
             <a:fld id="{6108602D-D426-4C00-B215-BFA18C076426}" type="datetime8">
               <a:rPr lang="en-US" smtClean="0"/>
-              <a:t>6/9/2019 4:27 PM</a:t>
+              <a:t>6/9/2019 5:07 PM</a:t>
             </a:fld>
             <a:endParaRPr lang="en-US" dirty="0"/>
           </a:p>
@@ -6890,7 +6892,7 @@
           <a:p>
             <a:fld id="{6108602D-D426-4C00-B215-BFA18C076426}" type="datetime8">
               <a:rPr lang="en-US" smtClean="0"/>
-              <a:t>6/9/2019 4:27 PM</a:t>
+              <a:t>6/9/2019 5:07 PM</a:t>
             </a:fld>
             <a:endParaRPr lang="en-US" dirty="0"/>
           </a:p>
@@ -7055,7 +7057,172 @@
           <a:p>
             <a:fld id="{6108602D-D426-4C00-B215-BFA18C076426}" type="datetime8">
               <a:rPr lang="en-US" smtClean="0"/>
-              <a:t>6/9/2019 4:27 PM</a:t>
+              <a:t>6/9/2019 5:08 PM</a:t>
+            </a:fld>
+            <a:endParaRPr lang="en-US" dirty="0"/>
+          </a:p>
+        </p:txBody>
+      </p:sp>
+      <p:sp>
+        <p:nvSpPr>
+          <p:cNvPr id="4" name="Footer Placeholder 3"/>
+          <p:cNvSpPr>
+            <a:spLocks noGrp="1"/>
+          </p:cNvSpPr>
+          <p:nvPr>
+            <p:ph type="ftr" sz="quarter" idx="14"/>
+          </p:nvPr>
+        </p:nvSpPr>
+        <p:spPr/>
+        <p:txBody>
+          <a:bodyPr/>
+          <a:lstStyle/>
+          <a:p>
+            <a:pPr defTabSz="914099" eaLnBrk="0" hangingPunct="0"/>
+            <a:r>
+              <a:rPr lang="en-US" sz="400" dirty="0">
+                <a:gradFill>
+                  <a:gsLst>
+                    <a:gs pos="0">
+                      <a:prstClr val="black"/>
+                    </a:gs>
+                    <a:gs pos="100000">
+                      <a:prstClr val="black"/>
+                    </a:gs>
+                  </a:gsLst>
+                  <a:lin ang="5400000" scaled="0"/>
+                </a:gradFill>
+                <a:latin typeface="Segoe UI" pitchFamily="34" charset="0"/>
+                <a:ea typeface="Segoe UI" pitchFamily="34" charset="0"/>
+                <a:cs typeface="Segoe UI" pitchFamily="34" charset="0"/>
+              </a:rPr>
+              <a:t>© 2014 Microsoft Corporation. All rights reserved. MICROSOFT MAKES NO WARRANTIES, EXPRESS, IMPLIED OR STATUTORY, AS TO THE INFORMATION IN THIS PRESENTATION.</a:t>
+            </a:r>
+          </a:p>
+        </p:txBody>
+      </p:sp>
+      <p:sp>
+        <p:nvSpPr>
+          <p:cNvPr id="5" name="Header Placeholder 4"/>
+          <p:cNvSpPr>
+            <a:spLocks noGrp="1"/>
+          </p:cNvSpPr>
+          <p:nvPr>
+            <p:ph type="hdr" sz="quarter" idx="15"/>
+          </p:nvPr>
+        </p:nvSpPr>
+        <p:spPr/>
+        <p:txBody>
+          <a:bodyPr/>
+          <a:lstStyle/>
+          <a:p>
+            <a:endParaRPr lang="en-US" dirty="0"/>
+          </a:p>
+        </p:txBody>
+      </p:sp>
+    </p:spTree>
+    <p:extLst>
+      <p:ext uri="{BB962C8B-B14F-4D97-AF65-F5344CB8AC3E}">
+        <p14:creationId xmlns:p14="http://schemas.microsoft.com/office/powerpoint/2010/main" val="519415266"/>
+      </p:ext>
+    </p:extLst>
+  </p:cSld>
+  <p:clrMapOvr>
+    <a:masterClrMapping/>
+  </p:clrMapOvr>
+</p:notes>
+</file>
+
+<file path=ppt/notesSlides/notesSlide4.xml><?xml version="1.0" encoding="utf-8"?>
+<p:notes xmlns:a="http://schemas.openxmlformats.org/drawingml/2006/main" xmlns:r="http://schemas.openxmlformats.org/officeDocument/2006/relationships" xmlns:p="http://schemas.openxmlformats.org/presentationml/2006/main">
+  <p:cSld>
+    <p:spTree>
+      <p:nvGrpSpPr>
+        <p:cNvPr id="1" name=""/>
+        <p:cNvGrpSpPr/>
+        <p:nvPr/>
+      </p:nvGrpSpPr>
+      <p:grpSpPr>
+        <a:xfrm>
+          <a:off x="0" y="0"/>
+          <a:ext cx="0" cy="0"/>
+          <a:chOff x="0" y="0"/>
+          <a:chExt cx="0" cy="0"/>
+        </a:xfrm>
+      </p:grpSpPr>
+      <p:sp>
+        <p:nvSpPr>
+          <p:cNvPr id="2" name="Slide Image Placeholder 1"/>
+          <p:cNvSpPr>
+            <a:spLocks noGrp="1" noRot="1" noChangeAspect="1"/>
+          </p:cNvSpPr>
+          <p:nvPr>
+            <p:ph type="sldImg"/>
+          </p:nvPr>
+        </p:nvSpPr>
+        <p:spPr/>
+      </p:sp>
+      <p:sp>
+        <p:nvSpPr>
+          <p:cNvPr id="3" name="Notes Placeholder 2"/>
+          <p:cNvSpPr>
+            <a:spLocks noGrp="1"/>
+          </p:cNvSpPr>
+          <p:nvPr>
+            <p:ph type="body" idx="1"/>
+          </p:nvPr>
+        </p:nvSpPr>
+        <p:spPr/>
+        <p:txBody>
+          <a:bodyPr/>
+          <a:lstStyle/>
+          <a:p>
+            <a:endParaRPr lang="en-US" dirty="0"/>
+          </a:p>
+        </p:txBody>
+      </p:sp>
+      <p:sp>
+        <p:nvSpPr>
+          <p:cNvPr id="6" name="Slide Number Placeholder 5"/>
+          <p:cNvSpPr>
+            <a:spLocks noGrp="1"/>
+          </p:cNvSpPr>
+          <p:nvPr>
+            <p:ph type="sldNum" sz="quarter" idx="12"/>
+          </p:nvPr>
+        </p:nvSpPr>
+        <p:spPr/>
+        <p:txBody>
+          <a:bodyPr/>
+          <a:lstStyle/>
+          <a:p>
+            <a:fld id="{B4008EB6-D09E-4580-8CD6-DDB14511944F}" type="slidenum">
+              <a:rPr lang="en-US" smtClean="0"/>
+              <a:pPr/>
+              <a:t>7</a:t>
+            </a:fld>
+            <a:endParaRPr lang="en-US" dirty="0"/>
+          </a:p>
+        </p:txBody>
+      </p:sp>
+      <p:sp>
+        <p:nvSpPr>
+          <p:cNvPr id="10" name="Date Placeholder 9"/>
+          <p:cNvSpPr>
+            <a:spLocks noGrp="1"/>
+          </p:cNvSpPr>
+          <p:nvPr>
+            <p:ph type="dt" idx="13"/>
+          </p:nvPr>
+        </p:nvSpPr>
+        <p:spPr/>
+        <p:txBody>
+          <a:bodyPr/>
+          <a:lstStyle/>
+          <a:p>
+            <a:fld id="{6108602D-D426-4C00-B215-BFA18C076426}" type="datetime8">
+              <a:rPr lang="en-US" smtClean="0"/>
+              <a:t>6/9/2019 5:07 PM</a:t>
             </a:fld>
             <a:endParaRPr lang="en-US" dirty="0"/>
           </a:p>
@@ -47128,6 +47295,528 @@
           <a:p>
             <a:r>
               <a:rPr lang="en-US" b="1" dirty="0"/>
+              <a:t>Retrieving ranges</a:t>
+            </a:r>
+          </a:p>
+        </p:txBody>
+      </p:sp>
+      <p:sp>
+        <p:nvSpPr>
+          <p:cNvPr id="5" name="Text Placeholder 4"/>
+          <p:cNvSpPr>
+            <a:spLocks noGrp="1"/>
+          </p:cNvSpPr>
+          <p:nvPr>
+            <p:ph type="body" sz="quarter" idx="10"/>
+          </p:nvPr>
+        </p:nvSpPr>
+        <p:spPr>
+          <a:xfrm>
+            <a:off x="365760" y="1371600"/>
+            <a:ext cx="11704320" cy="3228576"/>
+          </a:xfrm>
+        </p:spPr>
+        <p:txBody>
+          <a:bodyPr/>
+          <a:lstStyle/>
+          <a:p>
+            <a:r>
+              <a:rPr lang="en-CA" dirty="0"/>
+              <a:t>names = [</a:t>
+            </a:r>
+            <a:r>
+              <a:rPr lang="en-CA" dirty="0">
+                <a:solidFill>
+                  <a:srgbClr val="C00000"/>
+                </a:solidFill>
+              </a:rPr>
+              <a:t>'Susan'</a:t>
+            </a:r>
+            <a:r>
+              <a:rPr lang="en-CA" dirty="0"/>
+              <a:t>, </a:t>
+            </a:r>
+            <a:r>
+              <a:rPr lang="en-CA" dirty="0">
+                <a:solidFill>
+                  <a:srgbClr val="C00000"/>
+                </a:solidFill>
+              </a:rPr>
+              <a:t>'Christopher'</a:t>
+            </a:r>
+            <a:r>
+              <a:rPr lang="en-CA" dirty="0"/>
+              <a:t>,</a:t>
+            </a:r>
+            <a:r>
+              <a:rPr lang="en-CA" dirty="0">
+                <a:solidFill>
+                  <a:srgbClr val="C00000"/>
+                </a:solidFill>
+              </a:rPr>
+              <a:t> 'Bill'</a:t>
+            </a:r>
+            <a:r>
+              <a:rPr lang="en-CA" dirty="0"/>
+              <a:t>]</a:t>
+            </a:r>
+          </a:p>
+          <a:p>
+            <a:r>
+              <a:rPr lang="en-CA" dirty="0"/>
+              <a:t>presenters = names[0:2] </a:t>
+            </a:r>
+            <a:r>
+              <a:rPr lang="en-CA" dirty="0">
+                <a:solidFill>
+                  <a:schemeClr val="tx2">
+                    <a:lumMod val="75000"/>
+                  </a:schemeClr>
+                </a:solidFill>
+              </a:rPr>
+              <a:t># Get the first two items</a:t>
+            </a:r>
+          </a:p>
+          <a:p>
+            <a:r>
+              <a:rPr lang="en-CA" dirty="0">
+                <a:solidFill>
+                  <a:schemeClr val="tx2">
+                    <a:lumMod val="75000"/>
+                  </a:schemeClr>
+                </a:solidFill>
+              </a:rPr>
+              <a:t># Starting index and number of items to retrieve</a:t>
+            </a:r>
+          </a:p>
+          <a:p>
+            <a:endParaRPr lang="en-CA" dirty="0"/>
+          </a:p>
+          <a:p>
+            <a:r>
+              <a:rPr lang="en-CA" dirty="0"/>
+              <a:t>print(names)</a:t>
+            </a:r>
+          </a:p>
+          <a:p>
+            <a:r>
+              <a:rPr lang="en-CA" dirty="0"/>
+              <a:t>print(presenters)</a:t>
+            </a:r>
+          </a:p>
+        </p:txBody>
+      </p:sp>
+      <p:sp>
+        <p:nvSpPr>
+          <p:cNvPr id="6" name="Text Placeholder 4">
+            <a:extLst>
+              <a:ext uri="{FF2B5EF4-FFF2-40B4-BE49-F238E27FC236}">
+                <a16:creationId xmlns:a16="http://schemas.microsoft.com/office/drawing/2014/main" id="{4F4D9F13-C119-40D2-9B3B-8DCD9D0EA709}"/>
+              </a:ext>
+            </a:extLst>
+          </p:cNvPr>
+          <p:cNvSpPr txBox="1">
+            <a:spLocks/>
+          </p:cNvSpPr>
+          <p:nvPr/>
+        </p:nvSpPr>
+        <p:spPr>
+          <a:xfrm>
+            <a:off x="365760" y="5258113"/>
+            <a:ext cx="11704320" cy="1148007"/>
+          </a:xfrm>
+          <a:prstGeom prst="rect">
+            <a:avLst/>
+          </a:prstGeom>
+          <a:solidFill>
+            <a:schemeClr val="tx1"/>
+          </a:solidFill>
+        </p:spPr>
+        <p:txBody>
+          <a:bodyPr vert="horz" wrap="square" lIns="91440" tIns="91440" rIns="91440" bIns="91440" rtlCol="0">
+            <a:spAutoFit/>
+          </a:bodyPr>
+          <a:lstStyle>
+            <a:lvl1pPr marL="0" marR="0" indent="0" algn="l" defTabSz="932742" rtl="0" eaLnBrk="1" fontAlgn="auto" latinLnBrk="0" hangingPunct="1">
+              <a:lnSpc>
+                <a:spcPct val="90000"/>
+              </a:lnSpc>
+              <a:spcBef>
+                <a:spcPts val="600"/>
+              </a:spcBef>
+              <a:spcAft>
+                <a:spcPts val="0"/>
+              </a:spcAft>
+              <a:buClrTx/>
+              <a:buSzPct val="90000"/>
+              <a:buFont typeface="Arial" pitchFamily="34" charset="0"/>
+              <a:buNone/>
+              <a:tabLst/>
+              <a:defRPr sz="3200" kern="1200" spc="0" baseline="0">
+                <a:gradFill>
+                  <a:gsLst>
+                    <a:gs pos="1250">
+                      <a:srgbClr val="000000"/>
+                    </a:gs>
+                    <a:gs pos="100000">
+                      <a:srgbClr val="000000"/>
+                    </a:gs>
+                  </a:gsLst>
+                  <a:lin ang="5400000" scaled="0"/>
+                </a:gradFill>
+                <a:latin typeface="Consolas" panose="020B0609020204030204" pitchFamily="49" charset="0"/>
+                <a:ea typeface="+mn-ea"/>
+                <a:cs typeface="Consolas" panose="020B0609020204030204" pitchFamily="49" charset="0"/>
+              </a:defRPr>
+            </a:lvl1pPr>
+            <a:lvl2pPr marL="228600" marR="0" indent="0" algn="l" defTabSz="932742" rtl="0" eaLnBrk="1" fontAlgn="auto" latinLnBrk="0" hangingPunct="1">
+              <a:lnSpc>
+                <a:spcPct val="90000"/>
+              </a:lnSpc>
+              <a:spcBef>
+                <a:spcPts val="600"/>
+              </a:spcBef>
+              <a:spcAft>
+                <a:spcPts val="0"/>
+              </a:spcAft>
+              <a:buClrTx/>
+              <a:buSzPct val="90000"/>
+              <a:buFont typeface="Arial" pitchFamily="34" charset="0"/>
+              <a:buNone/>
+              <a:tabLst/>
+              <a:defRPr sz="2000" kern="1200" spc="0" baseline="0">
+                <a:gradFill>
+                  <a:gsLst>
+                    <a:gs pos="1250">
+                      <a:srgbClr val="000000"/>
+                    </a:gs>
+                    <a:gs pos="100000">
+                      <a:srgbClr val="000000"/>
+                    </a:gs>
+                  </a:gsLst>
+                  <a:lin ang="5400000" scaled="0"/>
+                </a:gradFill>
+                <a:latin typeface="Consolas" panose="020B0609020204030204" pitchFamily="49" charset="0"/>
+                <a:ea typeface="+mn-ea"/>
+                <a:cs typeface="Consolas" panose="020B0609020204030204" pitchFamily="49" charset="0"/>
+              </a:defRPr>
+            </a:lvl2pPr>
+            <a:lvl3pPr marL="457200" marR="0" indent="0" algn="l" defTabSz="932742" rtl="0" eaLnBrk="1" fontAlgn="auto" latinLnBrk="0" hangingPunct="1">
+              <a:lnSpc>
+                <a:spcPct val="90000"/>
+              </a:lnSpc>
+              <a:spcBef>
+                <a:spcPts val="600"/>
+              </a:spcBef>
+              <a:spcAft>
+                <a:spcPts val="0"/>
+              </a:spcAft>
+              <a:buClrTx/>
+              <a:buSzPct val="90000"/>
+              <a:buFont typeface="Arial" pitchFamily="34" charset="0"/>
+              <a:buNone/>
+              <a:tabLst/>
+              <a:defRPr sz="2000" kern="1200" spc="0" baseline="0">
+                <a:gradFill>
+                  <a:gsLst>
+                    <a:gs pos="1250">
+                      <a:srgbClr val="000000"/>
+                    </a:gs>
+                    <a:gs pos="100000">
+                      <a:srgbClr val="000000"/>
+                    </a:gs>
+                  </a:gsLst>
+                  <a:lin ang="5400000" scaled="0"/>
+                </a:gradFill>
+                <a:latin typeface="Consolas" panose="020B0609020204030204" pitchFamily="49" charset="0"/>
+                <a:ea typeface="+mn-ea"/>
+                <a:cs typeface="Consolas" panose="020B0609020204030204" pitchFamily="49" charset="0"/>
+              </a:defRPr>
+            </a:lvl3pPr>
+            <a:lvl4pPr marL="685800" marR="0" indent="0" algn="l" defTabSz="932742" rtl="0" eaLnBrk="1" fontAlgn="auto" latinLnBrk="0" hangingPunct="1">
+              <a:lnSpc>
+                <a:spcPct val="90000"/>
+              </a:lnSpc>
+              <a:spcBef>
+                <a:spcPts val="600"/>
+              </a:spcBef>
+              <a:spcAft>
+                <a:spcPts val="0"/>
+              </a:spcAft>
+              <a:buClrTx/>
+              <a:buSzPct val="90000"/>
+              <a:buFont typeface="Arial" pitchFamily="34" charset="0"/>
+              <a:buNone/>
+              <a:tabLst/>
+              <a:defRPr sz="2000" kern="1200" spc="0" baseline="0">
+                <a:gradFill>
+                  <a:gsLst>
+                    <a:gs pos="1250">
+                      <a:srgbClr val="000000"/>
+                    </a:gs>
+                    <a:gs pos="100000">
+                      <a:srgbClr val="000000"/>
+                    </a:gs>
+                  </a:gsLst>
+                  <a:lin ang="5400000" scaled="0"/>
+                </a:gradFill>
+                <a:latin typeface="Consolas" panose="020B0609020204030204" pitchFamily="49" charset="0"/>
+                <a:ea typeface="+mn-ea"/>
+                <a:cs typeface="Consolas" panose="020B0609020204030204" pitchFamily="49" charset="0"/>
+              </a:defRPr>
+            </a:lvl4pPr>
+            <a:lvl5pPr marL="914400" marR="0" indent="0" algn="l" defTabSz="932742" rtl="0" eaLnBrk="1" fontAlgn="auto" latinLnBrk="0" hangingPunct="1">
+              <a:lnSpc>
+                <a:spcPct val="90000"/>
+              </a:lnSpc>
+              <a:spcBef>
+                <a:spcPts val="600"/>
+              </a:spcBef>
+              <a:spcAft>
+                <a:spcPts val="0"/>
+              </a:spcAft>
+              <a:buClrTx/>
+              <a:buSzPct val="90000"/>
+              <a:buFont typeface="Arial" pitchFamily="34" charset="0"/>
+              <a:buNone/>
+              <a:tabLst/>
+              <a:defRPr sz="2000" kern="1200" spc="0" baseline="0">
+                <a:gradFill>
+                  <a:gsLst>
+                    <a:gs pos="1250">
+                      <a:srgbClr val="000000"/>
+                    </a:gs>
+                    <a:gs pos="100000">
+                      <a:srgbClr val="000000"/>
+                    </a:gs>
+                  </a:gsLst>
+                  <a:lin ang="5400000" scaled="0"/>
+                </a:gradFill>
+                <a:latin typeface="Consolas" panose="020B0609020204030204" pitchFamily="49" charset="0"/>
+                <a:ea typeface="+mn-ea"/>
+                <a:cs typeface="Consolas" panose="020B0609020204030204" pitchFamily="49" charset="0"/>
+              </a:defRPr>
+            </a:lvl5pPr>
+            <a:lvl6pPr marL="2565040" indent="-233186" algn="l" defTabSz="932742" rtl="0" eaLnBrk="1" latinLnBrk="0" hangingPunct="1">
+              <a:spcBef>
+                <a:spcPct val="20000"/>
+              </a:spcBef>
+              <a:buFont typeface="Arial" pitchFamily="34" charset="0"/>
+              <a:buChar char="•"/>
+              <a:defRPr sz="2000" kern="1200">
+                <a:solidFill>
+                  <a:schemeClr val="tx1"/>
+                </a:solidFill>
+                <a:latin typeface="+mn-lt"/>
+                <a:ea typeface="+mn-ea"/>
+                <a:cs typeface="+mn-cs"/>
+              </a:defRPr>
+            </a:lvl6pPr>
+            <a:lvl7pPr marL="3031412" indent="-233186" algn="l" defTabSz="932742" rtl="0" eaLnBrk="1" latinLnBrk="0" hangingPunct="1">
+              <a:spcBef>
+                <a:spcPct val="20000"/>
+              </a:spcBef>
+              <a:buFont typeface="Arial" pitchFamily="34" charset="0"/>
+              <a:buChar char="•"/>
+              <a:defRPr sz="2000" kern="1200">
+                <a:solidFill>
+                  <a:schemeClr val="tx1"/>
+                </a:solidFill>
+                <a:latin typeface="+mn-lt"/>
+                <a:ea typeface="+mn-ea"/>
+                <a:cs typeface="+mn-cs"/>
+              </a:defRPr>
+            </a:lvl7pPr>
+            <a:lvl8pPr marL="3497783" indent="-233186" algn="l" defTabSz="932742" rtl="0" eaLnBrk="1" latinLnBrk="0" hangingPunct="1">
+              <a:spcBef>
+                <a:spcPct val="20000"/>
+              </a:spcBef>
+              <a:buFont typeface="Arial" pitchFamily="34" charset="0"/>
+              <a:buChar char="•"/>
+              <a:defRPr sz="2000" kern="1200">
+                <a:solidFill>
+                  <a:schemeClr val="tx1"/>
+                </a:solidFill>
+                <a:latin typeface="+mn-lt"/>
+                <a:ea typeface="+mn-ea"/>
+                <a:cs typeface="+mn-cs"/>
+              </a:defRPr>
+            </a:lvl8pPr>
+            <a:lvl9pPr marL="3964155" indent="-233186" algn="l" defTabSz="932742" rtl="0" eaLnBrk="1" latinLnBrk="0" hangingPunct="1">
+              <a:spcBef>
+                <a:spcPct val="20000"/>
+              </a:spcBef>
+              <a:buFont typeface="Arial" pitchFamily="34" charset="0"/>
+              <a:buChar char="•"/>
+              <a:defRPr sz="2000" kern="1200">
+                <a:solidFill>
+                  <a:schemeClr val="tx1"/>
+                </a:solidFill>
+                <a:latin typeface="+mn-lt"/>
+                <a:ea typeface="+mn-ea"/>
+                <a:cs typeface="+mn-cs"/>
+              </a:defRPr>
+            </a:lvl9pPr>
+          </a:lstStyle>
+          <a:p>
+            <a:r>
+              <a:rPr lang="en-CA" dirty="0">
+                <a:solidFill>
+                  <a:schemeClr val="bg1"/>
+                </a:solidFill>
+              </a:rPr>
+              <a:t>['Susan', 'Christopher', 'Bill']</a:t>
+            </a:r>
+          </a:p>
+          <a:p>
+            <a:r>
+              <a:rPr lang="en-CA" dirty="0">
+                <a:solidFill>
+                  <a:schemeClr val="bg1"/>
+                </a:solidFill>
+              </a:rPr>
+              <a:t>['Susan', 'Christopher']</a:t>
+            </a:r>
+          </a:p>
+        </p:txBody>
+      </p:sp>
+    </p:spTree>
+    <p:extLst>
+      <p:ext uri="{BB962C8B-B14F-4D97-AF65-F5344CB8AC3E}">
+        <p14:creationId xmlns:p14="http://schemas.microsoft.com/office/powerpoint/2010/main" val="2484258321"/>
+      </p:ext>
+    </p:extLst>
+  </p:cSld>
+  <p:clrMapOvr>
+    <a:masterClrMapping/>
+  </p:clrMapOvr>
+  <mc:AlternateContent xmlns:mc="http://schemas.openxmlformats.org/markup-compatibility/2006" xmlns:p14="http://schemas.microsoft.com/office/powerpoint/2010/main">
+    <mc:Choice Requires="p14">
+      <p:transition spd="med" p14:dur="700">
+        <p:fade/>
+      </p:transition>
+    </mc:Choice>
+    <mc:Fallback xmlns="">
+      <p:transition spd="med">
+        <p:fade/>
+      </p:transition>
+    </mc:Fallback>
+  </mc:AlternateContent>
+  <p:timing>
+    <p:tnLst>
+      <p:par>
+        <p:cTn id="1" dur="indefinite" restart="never" nodeType="tmRoot">
+          <p:childTnLst>
+            <p:seq concurrent="1" nextAc="seek">
+              <p:cTn id="2" dur="indefinite" nodeType="mainSeq">
+                <p:childTnLst>
+                  <p:par>
+                    <p:cTn id="3" fill="hold">
+                      <p:stCondLst>
+                        <p:cond delay="indefinite"/>
+                      </p:stCondLst>
+                      <p:childTnLst>
+                        <p:par>
+                          <p:cTn id="4" fill="hold">
+                            <p:stCondLst>
+                              <p:cond delay="0"/>
+                            </p:stCondLst>
+                            <p:childTnLst>
+                              <p:par>
+                                <p:cTn id="5" presetID="1" presetClass="entr" presetSubtype="0" fill="hold" grpId="0" nodeType="clickEffect">
+                                  <p:stCondLst>
+                                    <p:cond delay="0"/>
+                                  </p:stCondLst>
+                                  <p:childTnLst>
+                                    <p:set>
+                                      <p:cBhvr>
+                                        <p:cTn id="6" dur="1" fill="hold">
+                                          <p:stCondLst>
+                                            <p:cond delay="0"/>
+                                          </p:stCondLst>
+                                        </p:cTn>
+                                        <p:tgtEl>
+                                          <p:spTgt spid="6"/>
+                                        </p:tgtEl>
+                                        <p:attrNameLst>
+                                          <p:attrName>style.visibility</p:attrName>
+                                        </p:attrNameLst>
+                                      </p:cBhvr>
+                                      <p:to>
+                                        <p:strVal val="visible"/>
+                                      </p:to>
+                                    </p:set>
+                                  </p:childTnLst>
+                                </p:cTn>
+                              </p:par>
+                            </p:childTnLst>
+                          </p:cTn>
+                        </p:par>
+                      </p:childTnLst>
+                    </p:cTn>
+                  </p:par>
+                </p:childTnLst>
+              </p:cTn>
+              <p:prevCondLst>
+                <p:cond evt="onPrev" delay="0">
+                  <p:tgtEl>
+                    <p:sldTgt/>
+                  </p:tgtEl>
+                </p:cond>
+              </p:prevCondLst>
+              <p:nextCondLst>
+                <p:cond evt="onNext" delay="0">
+                  <p:tgtEl>
+                    <p:sldTgt/>
+                  </p:tgtEl>
+                </p:cond>
+              </p:nextCondLst>
+            </p:seq>
+          </p:childTnLst>
+        </p:cTn>
+      </p:par>
+    </p:tnLst>
+    <p:bldLst>
+      <p:bldP spid="6" grpId="0" animBg="1"/>
+    </p:bldLst>
+  </p:timing>
+</p:sld>
+</file>
+
+<file path=ppt/slides/slide7.xml><?xml version="1.0" encoding="utf-8"?>
+<p:sld xmlns:a="http://schemas.openxmlformats.org/drawingml/2006/main" xmlns:r="http://schemas.openxmlformats.org/officeDocument/2006/relationships" xmlns:p="http://schemas.openxmlformats.org/presentationml/2006/main">
+  <p:cSld>
+    <p:spTree>
+      <p:nvGrpSpPr>
+        <p:cNvPr id="1" name=""/>
+        <p:cNvGrpSpPr/>
+        <p:nvPr/>
+      </p:nvGrpSpPr>
+      <p:grpSpPr>
+        <a:xfrm>
+          <a:off x="0" y="0"/>
+          <a:ext cx="0" cy="0"/>
+          <a:chOff x="0" y="0"/>
+          <a:chExt cx="0" cy="0"/>
+        </a:xfrm>
+      </p:grpSpPr>
+      <p:sp>
+        <p:nvSpPr>
+          <p:cNvPr id="4" name="Title 3"/>
+          <p:cNvSpPr>
+            <a:spLocks noGrp="1"/>
+          </p:cNvSpPr>
+          <p:nvPr>
+            <p:ph type="title"/>
+          </p:nvPr>
+        </p:nvSpPr>
+        <p:spPr/>
+        <p:txBody>
+          <a:bodyPr/>
+          <a:lstStyle/>
+          <a:p>
+            <a:r>
+              <a:rPr lang="en-US" b="1" dirty="0"/>
               <a:t>Dictionaries</a:t>
             </a:r>
           </a:p>
@@ -47615,7 +48304,7 @@
 </p:sld>
 </file>
 
-<file path=ppt/slides/slide7.xml><?xml version="1.0" encoding="utf-8"?>
+<file path=ppt/slides/slide8.xml><?xml version="1.0" encoding="utf-8"?>
 <p:sld xmlns:a="http://schemas.openxmlformats.org/drawingml/2006/main" xmlns:r="http://schemas.openxmlformats.org/officeDocument/2006/relationships" xmlns:p="http://schemas.openxmlformats.org/presentationml/2006/main">
   <p:cSld>
     <p:spTree>
@@ -47719,7 +48408,7 @@
 </p:sld>
 </file>
 
-<file path=ppt/slides/slide8.xml><?xml version="1.0" encoding="utf-8"?>
+<file path=ppt/slides/slide9.xml><?xml version="1.0" encoding="utf-8"?>
 <p:sld xmlns:a="http://schemas.openxmlformats.org/drawingml/2006/main" xmlns:r="http://schemas.openxmlformats.org/officeDocument/2006/relationships" xmlns:p="http://schemas.openxmlformats.org/presentationml/2006/main">
   <p:cSld>
     <p:spTree>
@@ -48855,32 +49544,14 @@
 </file>
 
 <file path=customXml/item1.xml><?xml version="1.0" encoding="utf-8"?>
-<p:properties xmlns:p="http://schemas.microsoft.com/office/2006/metadata/properties" xmlns:xsi="http://www.w3.org/2001/XMLSchema-instance" xmlns:pc="http://schemas.microsoft.com/office/infopath/2007/PartnerControls">
-  <documentManagement>
-    <SharedWithUsers xmlns="83cd2334-221a-48c3-9034-bfd1542dfe28">
-      <UserInfo>
-        <DisplayName>Gilad Turbahn</DisplayName>
-        <AccountId>511</AccountId>
-        <AccountType/>
-      </UserInfo>
-      <UserInfo>
-        <DisplayName>Keith Boyd</DisplayName>
-        <AccountId>993</AccountId>
-        <AccountType/>
-      </UserInfo>
-      <UserInfo>
-        <DisplayName>Christopher Harrison</DisplayName>
-        <AccountId>1176</AccountId>
-        <AccountType/>
-      </UserInfo>
-    </SharedWithUsers>
-  </documentManagement>
-</p:properties>
+<Control xmlns="http://schemas.microsoft.com/VisualStudio/2011/storyboarding/control">
+  <Id Name="a53d73d2-368b-429e-b817-1324eec1382c" Revision="1" Stencil="7276b9ef-3953-4dce-a89b-ed85f20b8b93" StencilVersion="1.0"/>
+</Control>
 </file>
 
 <file path=customXml/item10.xml><?xml version="1.0" encoding="utf-8"?>
 <Control xmlns="http://schemas.microsoft.com/VisualStudio/2011/storyboarding/control">
-  <Id Name="a2191c86-fc50-4add-948c-129f6b5a88d8" Revision="1" Stencil="7276b9ef-3953-4dce-a89b-ed85f20b8b93" StencilVersion="1.0"/>
+  <Id Name="fb22c541-ded0-47fa-8877-83a4c2d16227" Revision="1" Stencil="7276b9ef-3953-4dce-a89b-ed85f20b8b93" StencilVersion="1.0"/>
 </Control>
 </file>
 
@@ -48898,49 +49569,52 @@
 
 <file path=customXml/item13.xml><?xml version="1.0" encoding="utf-8"?>
 <Control xmlns="http://schemas.microsoft.com/VisualStudio/2011/storyboarding/control">
-  <Id Name="fb22c541-ded0-47fa-8877-83a4c2d16227" Revision="1" Stencil="7276b9ef-3953-4dce-a89b-ed85f20b8b93" StencilVersion="1.0"/>
+  <Id Name="369f9055-6b6c-48b9-9320-5df2d46c430a" Revision="1" Stencil="7276b9ef-3953-4dce-a89b-ed85f20b8b93" StencilVersion="1.0"/>
 </Control>
 </file>
 
 <file path=customXml/item14.xml><?xml version="1.0" encoding="utf-8"?>
 <Control xmlns="http://schemas.microsoft.com/VisualStudio/2011/storyboarding/control">
-  <Id Name="a2191c86-fc50-4add-948c-129f6b5a88d8" Revision="1" Stencil="7276b9ef-3953-4dce-a89b-ed85f20b8b93" StencilVersion="1.0"/>
+  <Id Name="d69996e1-3d61-4686-9b63-f1b855c596ab" Revision="1" Stencil="7276b9ef-3953-4dce-a89b-ed85f20b8b93" StencilVersion="1.0"/>
 </Control>
 </file>
 
 <file path=customXml/item15.xml><?xml version="1.0" encoding="utf-8"?>
 <Control xmlns="http://schemas.microsoft.com/VisualStudio/2011/storyboarding/control">
-  <Id Name="369f9055-6b6c-48b9-9320-5df2d46c430a" Revision="1" Stencil="7276b9ef-3953-4dce-a89b-ed85f20b8b93" StencilVersion="1.0"/>
+  <Id Name="a2191c86-fc50-4add-948c-129f6b5a88d8" Revision="1" Stencil="7276b9ef-3953-4dce-a89b-ed85f20b8b93" StencilVersion="1.0"/>
 </Control>
 </file>
 
 <file path=customXml/item16.xml><?xml version="1.0" encoding="utf-8"?>
 <Control xmlns="http://schemas.microsoft.com/VisualStudio/2011/storyboarding/control">
-  <Id Name="a2191c86-fc50-4add-948c-129f6b5a88d8" Revision="1" Stencil="7276b9ef-3953-4dce-a89b-ed85f20b8b93" StencilVersion="1.0"/>
+  <Id Name="fb22c541-ded0-47fa-8877-83a4c2d16227" Revision="1" Stencil="7276b9ef-3953-4dce-a89b-ed85f20b8b93" StencilVersion="1.0"/>
 </Control>
 </file>
 
 <file path=customXml/item17.xml><?xml version="1.0" encoding="utf-8"?>
 <Control xmlns="http://schemas.microsoft.com/VisualStudio/2011/storyboarding/control">
-  <Id Name="369f9055-6b6c-48b9-9320-5df2d46c430a" Revision="1" Stencil="7276b9ef-3953-4dce-a89b-ed85f20b8b93" StencilVersion="1.0"/>
+  <Id Name="d69996e1-3d61-4686-9b63-f1b855c596ab" Revision="1" Stencil="7276b9ef-3953-4dce-a89b-ed85f20b8b93" StencilVersion="1.0"/>
 </Control>
 </file>
 
 <file path=customXml/item18.xml><?xml version="1.0" encoding="utf-8"?>
-<Control xmlns="http://schemas.microsoft.com/VisualStudio/2011/storyboarding/control">
-  <Id Name="fb22c541-ded0-47fa-8877-83a4c2d16227" Revision="1" Stencil="7276b9ef-3953-4dce-a89b-ed85f20b8b93" StencilVersion="1.0"/>
-</Control>
+<?mso-contentType ?>
+<FormTemplates xmlns="http://schemas.microsoft.com/sharepoint/v3/contenttype/forms">
+  <Display>DocumentLibraryForm</Display>
+  <Edit>DocumentLibraryForm</Edit>
+  <New>DocumentLibraryForm</New>
+</FormTemplates>
 </file>
 
 <file path=customXml/item19.xml><?xml version="1.0" encoding="utf-8"?>
 <Control xmlns="http://schemas.microsoft.com/VisualStudio/2011/storyboarding/control">
-  <Id Name="fb22c541-ded0-47fa-8877-83a4c2d16227" Revision="1" Stencil="7276b9ef-3953-4dce-a89b-ed85f20b8b93" StencilVersion="1.0"/>
+  <Id Name="d69996e1-3d61-4686-9b63-f1b855c596ab" Revision="1" Stencil="7276b9ef-3953-4dce-a89b-ed85f20b8b93" StencilVersion="1.0"/>
 </Control>
 </file>
 
 <file path=customXml/item2.xml><?xml version="1.0" encoding="utf-8"?>
 <Control xmlns="http://schemas.microsoft.com/VisualStudio/2011/storyboarding/control">
-  <Id Name="369f9055-6b6c-48b9-9320-5df2d46c430a" Revision="1" Stencil="7276b9ef-3953-4dce-a89b-ed85f20b8b93" StencilVersion="1.0"/>
+  <Id Name="a53d73d2-368b-429e-b817-1324eec1382c" Revision="1" Stencil="7276b9ef-3953-4dce-a89b-ed85f20b8b93" StencilVersion="1.0"/>
 </Control>
 </file>
 
@@ -48951,12 +49625,6 @@
 </file>
 
 <file path=customXml/item21.xml><?xml version="1.0" encoding="utf-8"?>
-<Control xmlns="http://schemas.microsoft.com/VisualStudio/2011/storyboarding/control">
-  <Id Name="a53d73d2-368b-429e-b817-1324eec1382c" Revision="1" Stencil="7276b9ef-3953-4dce-a89b-ed85f20b8b93" StencilVersion="1.0"/>
-</Control>
-</file>
-
-<file path=customXml/item22.xml><?xml version="1.0" encoding="utf-8"?>
 <ct:contentTypeSchema xmlns:ct="http://schemas.microsoft.com/office/2006/metadata/contentType" xmlns:ma="http://schemas.microsoft.com/office/2006/metadata/properties/metaAttributes" ct:_="" ma:_="" ma:contentTypeName="Document" ma:contentTypeID="0x010100674EDBEC711BD14FBA6FF5C10FEFEAC7" ma:contentTypeVersion="2" ma:contentTypeDescription="Create a new document." ma:contentTypeScope="" ma:versionID="2439c5e21841780d4f192983b535a097">
   <xsd:schema xmlns:xsd="http://www.w3.org/2001/XMLSchema" xmlns:xs="http://www.w3.org/2001/XMLSchema" xmlns:p="http://schemas.microsoft.com/office/2006/metadata/properties" xmlns:ns2="83cd2334-221a-48c3-9034-bfd1542dfe28" targetNamespace="http://schemas.microsoft.com/office/2006/metadata/properties" ma:root="true" ma:fieldsID="2bca9163d8d0b233c3086236a9289b04" ns2:_="">
     <xsd:import namespace="83cd2334-221a-48c3-9034-bfd1542dfe28"/>
@@ -49104,55 +49772,13 @@
 </ct:contentTypeSchema>
 </file>
 
-<file path=customXml/item23.xml><?xml version="1.0" encoding="utf-8"?>
-<Control xmlns="http://schemas.microsoft.com/VisualStudio/2011/storyboarding/control">
-  <Id Name="369f9055-6b6c-48b9-9320-5df2d46c430a" Revision="1" Stencil="7276b9ef-3953-4dce-a89b-ed85f20b8b93" StencilVersion="1.0"/>
-</Control>
-</file>
-
-<file path=customXml/item24.xml><?xml version="1.0" encoding="utf-8"?>
-<Control xmlns="http://schemas.microsoft.com/VisualStudio/2011/storyboarding/control">
-  <Id Name="a53d73d2-368b-429e-b817-1324eec1382c" Revision="1" Stencil="7276b9ef-3953-4dce-a89b-ed85f20b8b93" StencilVersion="1.0"/>
-</Control>
-</file>
-
-<file path=customXml/item25.xml><?xml version="1.0" encoding="utf-8"?>
+<file path=customXml/item22.xml><?xml version="1.0" encoding="utf-8"?>
 <Control xmlns="http://schemas.microsoft.com/VisualStudio/2011/storyboarding/control">
   <Id Name="fb22c541-ded0-47fa-8877-83a4c2d16227" Revision="1" Stencil="7276b9ef-3953-4dce-a89b-ed85f20b8b93" StencilVersion="1.0"/>
 </Control>
 </file>
 
-<file path=customXml/item26.xml><?xml version="1.0" encoding="utf-8"?>
-<Control xmlns="http://schemas.microsoft.com/VisualStudio/2011/storyboarding/control">
-  <Id Name="a53d73d2-368b-429e-b817-1324eec1382c" Revision="1" Stencil="7276b9ef-3953-4dce-a89b-ed85f20b8b93" StencilVersion="1.0"/>
-</Control>
-</file>
-
-<file path=customXml/item27.xml><?xml version="1.0" encoding="utf-8"?>
-<Control xmlns="http://schemas.microsoft.com/VisualStudio/2011/storyboarding/control">
-  <Id Name="fb22c541-ded0-47fa-8877-83a4c2d16227" Revision="1" Stencil="7276b9ef-3953-4dce-a89b-ed85f20b8b93" StencilVersion="1.0"/>
-</Control>
-</file>
-
-<file path=customXml/item28.xml><?xml version="1.0" encoding="utf-8"?>
-<Control xmlns="http://schemas.microsoft.com/VisualStudio/2011/storyboarding/control">
-  <Id Name="d69996e1-3d61-4686-9b63-f1b855c596ab" Revision="1" Stencil="7276b9ef-3953-4dce-a89b-ed85f20b8b93" StencilVersion="1.0"/>
-</Control>
-</file>
-
-<file path=customXml/item29.xml><?xml version="1.0" encoding="utf-8"?>
-<Control xmlns="http://schemas.microsoft.com/VisualStudio/2011/storyboarding/control">
-  <Id Name="a53d73d2-368b-429e-b817-1324eec1382c" Revision="1" Stencil="7276b9ef-3953-4dce-a89b-ed85f20b8b93" StencilVersion="1.0"/>
-</Control>
-</file>
-
-<file path=customXml/item3.xml><?xml version="1.0" encoding="utf-8"?>
-<Control xmlns="http://schemas.microsoft.com/VisualStudio/2011/storyboarding/control">
-  <Id Name="a2191c86-fc50-4add-948c-129f6b5a88d8" Revision="1" Stencil="7276b9ef-3953-4dce-a89b-ed85f20b8b93" StencilVersion="1.0"/>
-</Control>
-</file>
-
-<file path=customXml/item30.xml><?xml version="1.0" encoding="utf-8"?>
+<file path=customXml/item23.xml><?xml version="1.0" encoding="utf-8"?>
 <p:properties xmlns:p="http://schemas.microsoft.com/office/2006/metadata/properties" xmlns:xsi="http://www.w3.org/2001/XMLSchema-instance" xmlns:pc="http://schemas.microsoft.com/office/infopath/2007/PartnerControls">
   <documentManagement>
     <SharedWithUsers xmlns="83cd2334-221a-48c3-9034-bfd1542dfe28">
@@ -49176,33 +49802,99 @@
 </p:properties>
 </file>
 
-<file path=customXml/item31.xml><?xml version="1.0" encoding="utf-8"?>
+<file path=customXml/item24.xml><?xml version="1.0" encoding="utf-8"?>
 <Control xmlns="http://schemas.microsoft.com/VisualStudio/2011/storyboarding/control">
   <Id Name="d69996e1-3d61-4686-9b63-f1b855c596ab" Revision="1" Stencil="7276b9ef-3953-4dce-a89b-ed85f20b8b93" StencilVersion="1.0"/>
 </Control>
 </file>
 
-<file path=customXml/item32.xml><?xml version="1.0" encoding="utf-8"?>
+<file path=customXml/item25.xml><?xml version="1.0" encoding="utf-8"?>
+<Control xmlns="http://schemas.microsoft.com/VisualStudio/2011/storyboarding/control">
+  <Id Name="d69996e1-3d61-4686-9b63-f1b855c596ab" Revision="1" Stencil="7276b9ef-3953-4dce-a89b-ed85f20b8b93" StencilVersion="1.0"/>
+</Control>
+</file>
+
+<file path=customXml/item26.xml><?xml version="1.0" encoding="utf-8"?>
+<Control xmlns="http://schemas.microsoft.com/VisualStudio/2011/storyboarding/control">
+  <Id Name="a2191c86-fc50-4add-948c-129f6b5a88d8" Revision="1" Stencil="7276b9ef-3953-4dce-a89b-ed85f20b8b93" StencilVersion="1.0"/>
+</Control>
+</file>
+
+<file path=customXml/item27.xml><?xml version="1.0" encoding="utf-8"?>
+<Control xmlns="http://schemas.microsoft.com/VisualStudio/2011/storyboarding/control">
+  <Id Name="369f9055-6b6c-48b9-9320-5df2d46c430a" Revision="1" Stencil="7276b9ef-3953-4dce-a89b-ed85f20b8b93" StencilVersion="1.0"/>
+</Control>
+</file>
+
+<file path=customXml/item28.xml><?xml version="1.0" encoding="utf-8"?>
+<Control xmlns="http://schemas.microsoft.com/VisualStudio/2011/storyboarding/control">
+  <Id Name="369f9055-6b6c-48b9-9320-5df2d46c430a" Revision="1" Stencil="7276b9ef-3953-4dce-a89b-ed85f20b8b93" StencilVersion="1.0"/>
+</Control>
+</file>
+
+<file path=customXml/item29.xml><?xml version="1.0" encoding="utf-8"?>
 <Control xmlns="http://schemas.microsoft.com/VisualStudio/2011/storyboarding/control">
   <Id Name="fb22c541-ded0-47fa-8877-83a4c2d16227" Revision="1" Stencil="7276b9ef-3953-4dce-a89b-ed85f20b8b93" StencilVersion="1.0"/>
 </Control>
 </file>
 
-<file path=customXml/item33.xml><?xml version="1.0" encoding="utf-8"?>
+<file path=customXml/item3.xml><?xml version="1.0" encoding="utf-8"?>
+<Control xmlns="http://schemas.microsoft.com/VisualStudio/2011/storyboarding/control">
+  <Id Name="369f9055-6b6c-48b9-9320-5df2d46c430a" Revision="1" Stencil="7276b9ef-3953-4dce-a89b-ed85f20b8b93" StencilVersion="1.0"/>
+</Control>
+</file>
+
+<file path=customXml/item30.xml><?xml version="1.0" encoding="utf-8"?>
 <Control xmlns="http://schemas.microsoft.com/VisualStudio/2011/storyboarding/control">
   <Id Name="d69996e1-3d61-4686-9b63-f1b855c596ab" Revision="1" Stencil="7276b9ef-3953-4dce-a89b-ed85f20b8b93" StencilVersion="1.0"/>
 </Control>
 </file>
 
+<file path=customXml/item31.xml><?xml version="1.0" encoding="utf-8"?>
+<Control xmlns="http://schemas.microsoft.com/VisualStudio/2011/storyboarding/control">
+  <Id Name="a2191c86-fc50-4add-948c-129f6b5a88d8" Revision="1" Stencil="7276b9ef-3953-4dce-a89b-ed85f20b8b93" StencilVersion="1.0"/>
+</Control>
+</file>
+
+<file path=customXml/item32.xml><?xml version="1.0" encoding="utf-8"?>
+<p:properties xmlns:p="http://schemas.microsoft.com/office/2006/metadata/properties" xmlns:xsi="http://www.w3.org/2001/XMLSchema-instance" xmlns:pc="http://schemas.microsoft.com/office/infopath/2007/PartnerControls">
+  <documentManagement>
+    <SharedWithUsers xmlns="83cd2334-221a-48c3-9034-bfd1542dfe28">
+      <UserInfo>
+        <DisplayName>Gilad Turbahn</DisplayName>
+        <AccountId>511</AccountId>
+        <AccountType/>
+      </UserInfo>
+      <UserInfo>
+        <DisplayName>Keith Boyd</DisplayName>
+        <AccountId>993</AccountId>
+        <AccountType/>
+      </UserInfo>
+      <UserInfo>
+        <DisplayName>Christopher Harrison</DisplayName>
+        <AccountId>1176</AccountId>
+        <AccountType/>
+      </UserInfo>
+    </SharedWithUsers>
+  </documentManagement>
+</p:properties>
+</file>
+
+<file path=customXml/item33.xml><?xml version="1.0" encoding="utf-8"?>
+<Control xmlns="http://schemas.microsoft.com/VisualStudio/2011/storyboarding/control">
+  <Id Name="a2191c86-fc50-4add-948c-129f6b5a88d8" Revision="1" Stencil="7276b9ef-3953-4dce-a89b-ed85f20b8b93" StencilVersion="1.0"/>
+</Control>
+</file>
+
 <file path=customXml/item34.xml><?xml version="1.0" encoding="utf-8"?>
 <Control xmlns="http://schemas.microsoft.com/VisualStudio/2011/storyboarding/control">
-  <Id Name="369f9055-6b6c-48b9-9320-5df2d46c430a" Revision="1" Stencil="7276b9ef-3953-4dce-a89b-ed85f20b8b93" StencilVersion="1.0"/>
+  <Id Name="fb22c541-ded0-47fa-8877-83a4c2d16227" Revision="1" Stencil="7276b9ef-3953-4dce-a89b-ed85f20b8b93" StencilVersion="1.0"/>
 </Control>
 </file>
 
 <file path=customXml/item35.xml><?xml version="1.0" encoding="utf-8"?>
 <Control xmlns="http://schemas.microsoft.com/VisualStudio/2011/storyboarding/control">
-  <Id Name="d69996e1-3d61-4686-9b63-f1b855c596ab" Revision="1" Stencil="7276b9ef-3953-4dce-a89b-ed85f20b8b93" StencilVersion="1.0"/>
+  <Id Name="fb22c541-ded0-47fa-8877-83a4c2d16227" Revision="1" Stencil="7276b9ef-3953-4dce-a89b-ed85f20b8b93" StencilVersion="1.0"/>
 </Control>
 </file>
 
@@ -49217,7 +49909,7 @@
 
 <file path=customXml/item5.xml><?xml version="1.0" encoding="utf-8"?>
 <Control xmlns="http://schemas.microsoft.com/VisualStudio/2011/storyboarding/control">
-  <Id Name="a53d73d2-368b-429e-b817-1324eec1382c" Revision="1" Stencil="7276b9ef-3953-4dce-a89b-ed85f20b8b93" StencilVersion="1.0"/>
+  <Id Name="369f9055-6b6c-48b9-9320-5df2d46c430a" Revision="1" Stencil="7276b9ef-3953-4dce-a89b-ed85f20b8b93" StencilVersion="1.0"/>
 </Control>
 </file>
 
@@ -49228,43 +49920,72 @@
 </file>
 
 <file path=customXml/item7.xml><?xml version="1.0" encoding="utf-8"?>
-<?mso-contentType ?>
-<FormTemplates xmlns="http://schemas.microsoft.com/sharepoint/v3/contenttype/forms">
-  <Display>DocumentLibraryForm</Display>
-  <Edit>DocumentLibraryForm</Edit>
-  <New>DocumentLibraryForm</New>
-</FormTemplates>
+<Control xmlns="http://schemas.microsoft.com/VisualStudio/2011/storyboarding/control">
+  <Id Name="a53d73d2-368b-429e-b817-1324eec1382c" Revision="1" Stencil="7276b9ef-3953-4dce-a89b-ed85f20b8b93" StencilVersion="1.0"/>
+</Control>
 </file>
 
 <file path=customXml/item8.xml><?xml version="1.0" encoding="utf-8"?>
 <Control xmlns="http://schemas.microsoft.com/VisualStudio/2011/storyboarding/control">
-  <Id Name="d69996e1-3d61-4686-9b63-f1b855c596ab" Revision="1" Stencil="7276b9ef-3953-4dce-a89b-ed85f20b8b93" StencilVersion="1.0"/>
+  <Id Name="a53d73d2-368b-429e-b817-1324eec1382c" Revision="1" Stencil="7276b9ef-3953-4dce-a89b-ed85f20b8b93" StencilVersion="1.0"/>
 </Control>
 </file>
 
 <file path=customXml/item9.xml><?xml version="1.0" encoding="utf-8"?>
 <Control xmlns="http://schemas.microsoft.com/VisualStudio/2011/storyboarding/control">
-  <Id Name="d69996e1-3d61-4686-9b63-f1b855c596ab" Revision="1" Stencil="7276b9ef-3953-4dce-a89b-ed85f20b8b93" StencilVersion="1.0"/>
+  <Id Name="a53d73d2-368b-429e-b817-1324eec1382c" Revision="1" Stencil="7276b9ef-3953-4dce-a89b-ed85f20b8b93" StencilVersion="1.0"/>
 </Control>
 </file>
 
 <file path=customXml/itemProps1.xml><?xml version="1.0" encoding="utf-8"?>
-<ds:datastoreItem xmlns:ds="http://schemas.openxmlformats.org/officeDocument/2006/customXml" ds:itemID="{F990F116-B58F-4255-B05B-DA3808E0E5C6}">
+<ds:datastoreItem xmlns:ds="http://schemas.openxmlformats.org/officeDocument/2006/customXml" ds:itemID="{6FB9D450-4C47-4A44-8C0D-C78D8A54C46F}">
   <ds:schemaRefs>
-    <ds:schemaRef ds:uri="http://schemas.microsoft.com/office/2006/metadata/properties"/>
-    <ds:schemaRef ds:uri="http://schemas.microsoft.com/office/2006/documentManagement/types"/>
-    <ds:schemaRef ds:uri="http://purl.org/dc/dcmitype/"/>
-    <ds:schemaRef ds:uri="83cd2334-221a-48c3-9034-bfd1542dfe28"/>
-    <ds:schemaRef ds:uri="http://schemas.openxmlformats.org/package/2006/metadata/core-properties"/>
-    <ds:schemaRef ds:uri="http://schemas.microsoft.com/office/infopath/2007/PartnerControls"/>
-    <ds:schemaRef ds:uri="http://www.w3.org/XML/1998/namespace"/>
-    <ds:schemaRef ds:uri="http://purl.org/dc/terms/"/>
-    <ds:schemaRef ds:uri="http://purl.org/dc/elements/1.1/"/>
+    <ds:schemaRef ds:uri="http://schemas.microsoft.com/VisualStudio/2011/storyboarding/control"/>
   </ds:schemaRefs>
 </ds:datastoreItem>
 </file>
 
 <file path=customXml/itemProps10.xml><?xml version="1.0" encoding="utf-8"?>
+<ds:datastoreItem xmlns:ds="http://schemas.openxmlformats.org/officeDocument/2006/customXml" ds:itemID="{4E8278DB-3CDD-48A7-992E-A7596AD335B9}">
+  <ds:schemaRefs>
+    <ds:schemaRef ds:uri="http://schemas.microsoft.com/VisualStudio/2011/storyboarding/control"/>
+  </ds:schemaRefs>
+</ds:datastoreItem>
+</file>
+
+<file path=customXml/itemProps11.xml><?xml version="1.0" encoding="utf-8"?>
+<ds:datastoreItem xmlns:ds="http://schemas.openxmlformats.org/officeDocument/2006/customXml" ds:itemID="{ED350DFE-2319-4AB0-BC96-1D36D125365A}">
+  <ds:schemaRefs>
+    <ds:schemaRef ds:uri="http://schemas.microsoft.com/VisualStudio/2011/storyboarding/control"/>
+  </ds:schemaRefs>
+</ds:datastoreItem>
+</file>
+
+<file path=customXml/itemProps12.xml><?xml version="1.0" encoding="utf-8"?>
+<ds:datastoreItem xmlns:ds="http://schemas.openxmlformats.org/officeDocument/2006/customXml" ds:itemID="{7959CC6A-F423-4783-B968-3BCC86A7394E}">
+  <ds:schemaRefs>
+    <ds:schemaRef ds:uri="http://schemas.microsoft.com/VisualStudio/2011/storyboarding/control"/>
+  </ds:schemaRefs>
+</ds:datastoreItem>
+</file>
+
+<file path=customXml/itemProps13.xml><?xml version="1.0" encoding="utf-8"?>
+<ds:datastoreItem xmlns:ds="http://schemas.openxmlformats.org/officeDocument/2006/customXml" ds:itemID="{82DB428A-B8F8-483F-8276-095629A8ECDB}">
+  <ds:schemaRefs>
+    <ds:schemaRef ds:uri="http://schemas.microsoft.com/VisualStudio/2011/storyboarding/control"/>
+  </ds:schemaRefs>
+</ds:datastoreItem>
+</file>
+
+<file path=customXml/itemProps14.xml><?xml version="1.0" encoding="utf-8"?>
+<ds:datastoreItem xmlns:ds="http://schemas.openxmlformats.org/officeDocument/2006/customXml" ds:itemID="{0282FB20-2D4C-459D-8468-77D1D3C6925D}">
+  <ds:schemaRefs>
+    <ds:schemaRef ds:uri="http://schemas.microsoft.com/VisualStudio/2011/storyboarding/control"/>
+  </ds:schemaRefs>
+</ds:datastoreItem>
+</file>
+
+<file path=customXml/itemProps15.xml><?xml version="1.0" encoding="utf-8"?>
 <ds:datastoreItem xmlns:ds="http://schemas.openxmlformats.org/officeDocument/2006/customXml" ds:itemID="{D4B5F268-5930-44CD-BDF1-D0A04D4BBC1C}">
   <ds:schemaRefs>
     <ds:schemaRef ds:uri="http://schemas.microsoft.com/VisualStudio/2011/storyboarding/control"/>
@@ -49272,31 +49993,47 @@
 </ds:datastoreItem>
 </file>
 
-<file path=customXml/itemProps11.xml><?xml version="1.0" encoding="utf-8"?>
-<ds:datastoreItem xmlns:ds="http://schemas.openxmlformats.org/officeDocument/2006/customXml" ds:itemID="{8893E80D-6D0C-4E0F-AA22-E5615BB87E5B}">
+<file path=customXml/itemProps16.xml><?xml version="1.0" encoding="utf-8"?>
+<ds:datastoreItem xmlns:ds="http://schemas.openxmlformats.org/officeDocument/2006/customXml" ds:itemID="{D6FEE829-2115-45B4-8110-670FD454542B}">
   <ds:schemaRefs>
     <ds:schemaRef ds:uri="http://schemas.microsoft.com/VisualStudio/2011/storyboarding/control"/>
   </ds:schemaRefs>
 </ds:datastoreItem>
 </file>
 
-<file path=customXml/itemProps12.xml><?xml version="1.0" encoding="utf-8"?>
-<ds:datastoreItem xmlns:ds="http://schemas.openxmlformats.org/officeDocument/2006/customXml" ds:itemID="{FE651ABA-5DC1-4ABD-A06E-055AE54B337B}">
+<file path=customXml/itemProps17.xml><?xml version="1.0" encoding="utf-8"?>
+<ds:datastoreItem xmlns:ds="http://schemas.openxmlformats.org/officeDocument/2006/customXml" ds:itemID="{3DC6CABD-46E1-4C27-A0B3-616DC56F8E5C}">
   <ds:schemaRefs>
     <ds:schemaRef ds:uri="http://schemas.microsoft.com/VisualStudio/2011/storyboarding/control"/>
   </ds:schemaRefs>
 </ds:datastoreItem>
 </file>
 
-<file path=customXml/itemProps13.xml><?xml version="1.0" encoding="utf-8"?>
-<ds:datastoreItem xmlns:ds="http://schemas.openxmlformats.org/officeDocument/2006/customXml" ds:itemID="{4C1B3C27-4803-4D72-A3F8-6668A3F0A24B}">
+<file path=customXml/itemProps18.xml><?xml version="1.0" encoding="utf-8"?>
+<ds:datastoreItem xmlns:ds="http://schemas.openxmlformats.org/officeDocument/2006/customXml" ds:itemID="{50326EE5-754B-4E02-99C4-DDA8AB4ABBEE}">
+  <ds:schemaRefs>
+    <ds:schemaRef ds:uri="http://schemas.microsoft.com/sharepoint/v3/contenttype/forms"/>
+  </ds:schemaRefs>
+</ds:datastoreItem>
+</file>
+
+<file path=customXml/itemProps19.xml><?xml version="1.0" encoding="utf-8"?>
+<ds:datastoreItem xmlns:ds="http://schemas.openxmlformats.org/officeDocument/2006/customXml" ds:itemID="{C63AC2F0-1DEB-4E91-A88A-7A014A172F4F}">
   <ds:schemaRefs>
     <ds:schemaRef ds:uri="http://schemas.microsoft.com/VisualStudio/2011/storyboarding/control"/>
   </ds:schemaRefs>
 </ds:datastoreItem>
 </file>
 
-<file path=customXml/itemProps14.xml><?xml version="1.0" encoding="utf-8"?>
+<file path=customXml/itemProps2.xml><?xml version="1.0" encoding="utf-8"?>
+<ds:datastoreItem xmlns:ds="http://schemas.openxmlformats.org/officeDocument/2006/customXml" ds:itemID="{F68D8396-E21C-4AFF-8FDD-70D00673D0EE}">
+  <ds:schemaRefs>
+    <ds:schemaRef ds:uri="http://schemas.microsoft.com/VisualStudio/2011/storyboarding/control"/>
+  </ds:schemaRefs>
+</ds:datastoreItem>
+</file>
+
+<file path=customXml/itemProps20.xml><?xml version="1.0" encoding="utf-8"?>
 <ds:datastoreItem xmlns:ds="http://schemas.openxmlformats.org/officeDocument/2006/customXml" ds:itemID="{4B16F4FE-7C26-4443-B426-81998D23ED87}">
   <ds:schemaRefs>
     <ds:schemaRef ds:uri="http://schemas.microsoft.com/VisualStudio/2011/storyboarding/control"/>
@@ -49304,71 +50041,7 @@
 </ds:datastoreItem>
 </file>
 
-<file path=customXml/itemProps15.xml><?xml version="1.0" encoding="utf-8"?>
-<ds:datastoreItem xmlns:ds="http://schemas.openxmlformats.org/officeDocument/2006/customXml" ds:itemID="{7959CC6A-F423-4783-B968-3BCC86A7394E}">
-  <ds:schemaRefs>
-    <ds:schemaRef ds:uri="http://schemas.microsoft.com/VisualStudio/2011/storyboarding/control"/>
-  </ds:schemaRefs>
-</ds:datastoreItem>
-</file>
-
-<file path=customXml/itemProps16.xml><?xml version="1.0" encoding="utf-8"?>
-<ds:datastoreItem xmlns:ds="http://schemas.openxmlformats.org/officeDocument/2006/customXml" ds:itemID="{0B54C583-7BAB-4080-8093-C5F84F5A225A}">
-  <ds:schemaRefs>
-    <ds:schemaRef ds:uri="http://schemas.microsoft.com/VisualStudio/2011/storyboarding/control"/>
-  </ds:schemaRefs>
-</ds:datastoreItem>
-</file>
-
-<file path=customXml/itemProps17.xml><?xml version="1.0" encoding="utf-8"?>
-<ds:datastoreItem xmlns:ds="http://schemas.openxmlformats.org/officeDocument/2006/customXml" ds:itemID="{08C4EE12-DF69-4FFC-9E40-C7991F3490A6}">
-  <ds:schemaRefs>
-    <ds:schemaRef ds:uri="http://schemas.microsoft.com/VisualStudio/2011/storyboarding/control"/>
-  </ds:schemaRefs>
-</ds:datastoreItem>
-</file>
-
-<file path=customXml/itemProps18.xml><?xml version="1.0" encoding="utf-8"?>
-<ds:datastoreItem xmlns:ds="http://schemas.openxmlformats.org/officeDocument/2006/customXml" ds:itemID="{376216F9-AF6B-4844-AE8C-B9F953F916AB}">
-  <ds:schemaRefs>
-    <ds:schemaRef ds:uri="http://schemas.microsoft.com/VisualStudio/2011/storyboarding/control"/>
-  </ds:schemaRefs>
-</ds:datastoreItem>
-</file>
-
-<file path=customXml/itemProps19.xml><?xml version="1.0" encoding="utf-8"?>
-<ds:datastoreItem xmlns:ds="http://schemas.openxmlformats.org/officeDocument/2006/customXml" ds:itemID="{D6FEE829-2115-45B4-8110-670FD454542B}">
-  <ds:schemaRefs>
-    <ds:schemaRef ds:uri="http://schemas.microsoft.com/VisualStudio/2011/storyboarding/control"/>
-  </ds:schemaRefs>
-</ds:datastoreItem>
-</file>
-
-<file path=customXml/itemProps2.xml><?xml version="1.0" encoding="utf-8"?>
-<ds:datastoreItem xmlns:ds="http://schemas.openxmlformats.org/officeDocument/2006/customXml" ds:itemID="{42D603BF-B513-4201-A599-21BA0F4FFC40}">
-  <ds:schemaRefs>
-    <ds:schemaRef ds:uri="http://schemas.microsoft.com/VisualStudio/2011/storyboarding/control"/>
-  </ds:schemaRefs>
-</ds:datastoreItem>
-</file>
-
-<file path=customXml/itemProps20.xml><?xml version="1.0" encoding="utf-8"?>
-<ds:datastoreItem xmlns:ds="http://schemas.openxmlformats.org/officeDocument/2006/customXml" ds:itemID="{8257D6BC-B71E-4D95-81E4-A1D4A8174168}">
-  <ds:schemaRefs>
-    <ds:schemaRef ds:uri="http://schemas.microsoft.com/VisualStudio/2011/storyboarding/control"/>
-  </ds:schemaRefs>
-</ds:datastoreItem>
-</file>
-
 <file path=customXml/itemProps21.xml><?xml version="1.0" encoding="utf-8"?>
-<ds:datastoreItem xmlns:ds="http://schemas.openxmlformats.org/officeDocument/2006/customXml" ds:itemID="{F68D8396-E21C-4AFF-8FDD-70D00673D0EE}">
-  <ds:schemaRefs>
-    <ds:schemaRef ds:uri="http://schemas.microsoft.com/VisualStudio/2011/storyboarding/control"/>
-  </ds:schemaRefs>
-</ds:datastoreItem>
-</file>
-
-<file path=customXml/itemProps22.xml><?xml version="1.0" encoding="utf-8"?>
 <ds:datastoreItem xmlns:ds="http://schemas.openxmlformats.org/officeDocument/2006/customXml" ds:itemID="{11F98F69-7518-4AE2-AE7B-E037DC9DDC97}">
   <ds:schemaRefs>
     <ds:schemaRef ds:uri="http://schemas.microsoft.com/office/2006/metadata/contentType"/>
@@ -49386,39 +50059,7 @@
 </ds:datastoreItem>
 </file>
 
-<file path=customXml/itemProps23.xml><?xml version="1.0" encoding="utf-8"?>
-<ds:datastoreItem xmlns:ds="http://schemas.openxmlformats.org/officeDocument/2006/customXml" ds:itemID="{82DB428A-B8F8-483F-8276-095629A8ECDB}">
-  <ds:schemaRefs>
-    <ds:schemaRef ds:uri="http://schemas.microsoft.com/VisualStudio/2011/storyboarding/control"/>
-  </ds:schemaRefs>
-</ds:datastoreItem>
-</file>
-
-<file path=customXml/itemProps24.xml><?xml version="1.0" encoding="utf-8"?>
-<ds:datastoreItem xmlns:ds="http://schemas.openxmlformats.org/officeDocument/2006/customXml" ds:itemID="{21F6B647-976A-41D0-B760-9DF9DFC6AE3C}">
-  <ds:schemaRefs>
-    <ds:schemaRef ds:uri="http://schemas.microsoft.com/VisualStudio/2011/storyboarding/control"/>
-  </ds:schemaRefs>
-</ds:datastoreItem>
-</file>
-
-<file path=customXml/itemProps25.xml><?xml version="1.0" encoding="utf-8"?>
-<ds:datastoreItem xmlns:ds="http://schemas.openxmlformats.org/officeDocument/2006/customXml" ds:itemID="{432851C6-BC05-4673-B853-6D08AB80CDC4}">
-  <ds:schemaRefs>
-    <ds:schemaRef ds:uri="http://schemas.microsoft.com/VisualStudio/2011/storyboarding/control"/>
-  </ds:schemaRefs>
-</ds:datastoreItem>
-</file>
-
-<file path=customXml/itemProps26.xml><?xml version="1.0" encoding="utf-8"?>
-<ds:datastoreItem xmlns:ds="http://schemas.openxmlformats.org/officeDocument/2006/customXml" ds:itemID="{6FB9D450-4C47-4A44-8C0D-C78D8A54C46F}">
-  <ds:schemaRefs>
-    <ds:schemaRef ds:uri="http://schemas.microsoft.com/VisualStudio/2011/storyboarding/control"/>
-  </ds:schemaRefs>
-</ds:datastoreItem>
-</file>
-
-<file path=customXml/itemProps27.xml><?xml version="1.0" encoding="utf-8"?>
+<file path=customXml/itemProps22.xml><?xml version="1.0" encoding="utf-8"?>
 <ds:datastoreItem xmlns:ds="http://schemas.openxmlformats.org/officeDocument/2006/customXml" ds:itemID="{B5105A87-47B6-44F6-97FD-4619C0556604}">
   <ds:schemaRefs>
     <ds:schemaRef ds:uri="http://schemas.microsoft.com/VisualStudio/2011/storyboarding/control"/>
@@ -49426,31 +50067,7 @@
 </ds:datastoreItem>
 </file>
 
-<file path=customXml/itemProps28.xml><?xml version="1.0" encoding="utf-8"?>
-<ds:datastoreItem xmlns:ds="http://schemas.openxmlformats.org/officeDocument/2006/customXml" ds:itemID="{0282FB20-2D4C-459D-8468-77D1D3C6925D}">
-  <ds:schemaRefs>
-    <ds:schemaRef ds:uri="http://schemas.microsoft.com/VisualStudio/2011/storyboarding/control"/>
-  </ds:schemaRefs>
-</ds:datastoreItem>
-</file>
-
-<file path=customXml/itemProps29.xml><?xml version="1.0" encoding="utf-8"?>
-<ds:datastoreItem xmlns:ds="http://schemas.openxmlformats.org/officeDocument/2006/customXml" ds:itemID="{4E805D65-1532-4BB0-8F41-8013167C0009}">
-  <ds:schemaRefs>
-    <ds:schemaRef ds:uri="http://schemas.microsoft.com/VisualStudio/2011/storyboarding/control"/>
-  </ds:schemaRefs>
-</ds:datastoreItem>
-</file>
-
-<file path=customXml/itemProps3.xml><?xml version="1.0" encoding="utf-8"?>
-<ds:datastoreItem xmlns:ds="http://schemas.openxmlformats.org/officeDocument/2006/customXml" ds:itemID="{3C954CC5-1CAC-4EC3-9791-8630483065B9}">
-  <ds:schemaRefs>
-    <ds:schemaRef ds:uri="http://schemas.microsoft.com/VisualStudio/2011/storyboarding/control"/>
-  </ds:schemaRefs>
-</ds:datastoreItem>
-</file>
-
-<file path=customXml/itemProps30.xml><?xml version="1.0" encoding="utf-8"?>
+<file path=customXml/itemProps23.xml><?xml version="1.0" encoding="utf-8"?>
 <ds:datastoreItem xmlns:ds="http://schemas.openxmlformats.org/officeDocument/2006/customXml" ds:itemID="{29A419E7-5506-4231-819E-32B0D2087F4E}">
   <ds:schemaRefs>
     <ds:schemaRef ds:uri="http://schemas.microsoft.com/office/2006/metadata/properties"/>
@@ -49460,8 +50077,72 @@
 </ds:datastoreItem>
 </file>
 
+<file path=customXml/itemProps24.xml><?xml version="1.0" encoding="utf-8"?>
+<ds:datastoreItem xmlns:ds="http://schemas.openxmlformats.org/officeDocument/2006/customXml" ds:itemID="{C0F92A87-A216-45A9-B9C0-0515663D35BF}">
+  <ds:schemaRefs>
+    <ds:schemaRef ds:uri="http://schemas.microsoft.com/VisualStudio/2011/storyboarding/control"/>
+  </ds:schemaRefs>
+</ds:datastoreItem>
+</file>
+
+<file path=customXml/itemProps25.xml><?xml version="1.0" encoding="utf-8"?>
+<ds:datastoreItem xmlns:ds="http://schemas.openxmlformats.org/officeDocument/2006/customXml" ds:itemID="{366CA990-F93D-4100-9654-65D9E30F4E1C}">
+  <ds:schemaRefs>
+    <ds:schemaRef ds:uri="http://schemas.microsoft.com/VisualStudio/2011/storyboarding/control"/>
+  </ds:schemaRefs>
+</ds:datastoreItem>
+</file>
+
+<file path=customXml/itemProps26.xml><?xml version="1.0" encoding="utf-8"?>
+<ds:datastoreItem xmlns:ds="http://schemas.openxmlformats.org/officeDocument/2006/customXml" ds:itemID="{3C954CC5-1CAC-4EC3-9791-8630483065B9}">
+  <ds:schemaRefs>
+    <ds:schemaRef ds:uri="http://schemas.microsoft.com/VisualStudio/2011/storyboarding/control"/>
+  </ds:schemaRefs>
+</ds:datastoreItem>
+</file>
+
+<file path=customXml/itemProps27.xml><?xml version="1.0" encoding="utf-8"?>
+<ds:datastoreItem xmlns:ds="http://schemas.openxmlformats.org/officeDocument/2006/customXml" ds:itemID="{FE651ABA-5DC1-4ABD-A06E-055AE54B337B}">
+  <ds:schemaRefs>
+    <ds:schemaRef ds:uri="http://schemas.microsoft.com/VisualStudio/2011/storyboarding/control"/>
+  </ds:schemaRefs>
+</ds:datastoreItem>
+</file>
+
+<file path=customXml/itemProps28.xml><?xml version="1.0" encoding="utf-8"?>
+<ds:datastoreItem xmlns:ds="http://schemas.openxmlformats.org/officeDocument/2006/customXml" ds:itemID="{08C4EE12-DF69-4FFC-9E40-C7991F3490A6}">
+  <ds:schemaRefs>
+    <ds:schemaRef ds:uri="http://schemas.microsoft.com/VisualStudio/2011/storyboarding/control"/>
+  </ds:schemaRefs>
+</ds:datastoreItem>
+</file>
+
+<file path=customXml/itemProps29.xml><?xml version="1.0" encoding="utf-8"?>
+<ds:datastoreItem xmlns:ds="http://schemas.openxmlformats.org/officeDocument/2006/customXml" ds:itemID="{432851C6-BC05-4673-B853-6D08AB80CDC4}">
+  <ds:schemaRefs>
+    <ds:schemaRef ds:uri="http://schemas.microsoft.com/VisualStudio/2011/storyboarding/control"/>
+  </ds:schemaRefs>
+</ds:datastoreItem>
+</file>
+
+<file path=customXml/itemProps3.xml><?xml version="1.0" encoding="utf-8"?>
+<ds:datastoreItem xmlns:ds="http://schemas.openxmlformats.org/officeDocument/2006/customXml" ds:itemID="{38217AA1-CC95-49A9-B284-2ED4D347D7CA}">
+  <ds:schemaRefs>
+    <ds:schemaRef ds:uri="http://schemas.microsoft.com/VisualStudio/2011/storyboarding/control"/>
+  </ds:schemaRefs>
+</ds:datastoreItem>
+</file>
+
+<file path=customXml/itemProps30.xml><?xml version="1.0" encoding="utf-8"?>
+<ds:datastoreItem xmlns:ds="http://schemas.openxmlformats.org/officeDocument/2006/customXml" ds:itemID="{67213E6F-7B96-4222-888B-63710B06D885}">
+  <ds:schemaRefs>
+    <ds:schemaRef ds:uri="http://schemas.microsoft.com/VisualStudio/2011/storyboarding/control"/>
+  </ds:schemaRefs>
+</ds:datastoreItem>
+</file>
+
 <file path=customXml/itemProps31.xml><?xml version="1.0" encoding="utf-8"?>
-<ds:datastoreItem xmlns:ds="http://schemas.openxmlformats.org/officeDocument/2006/customXml" ds:itemID="{3DC6CABD-46E1-4C27-A0B3-616DC56F8E5C}">
+<ds:datastoreItem xmlns:ds="http://schemas.openxmlformats.org/officeDocument/2006/customXml" ds:itemID="{8257D6BC-B71E-4D95-81E4-A1D4A8174168}">
   <ds:schemaRefs>
     <ds:schemaRef ds:uri="http://schemas.microsoft.com/VisualStudio/2011/storyboarding/control"/>
   </ds:schemaRefs>
@@ -49469,15 +50150,23 @@
 </file>
 
 <file path=customXml/itemProps32.xml><?xml version="1.0" encoding="utf-8"?>
-<ds:datastoreItem xmlns:ds="http://schemas.openxmlformats.org/officeDocument/2006/customXml" ds:itemID="{4E8278DB-3CDD-48A7-992E-A7596AD335B9}">
+<ds:datastoreItem xmlns:ds="http://schemas.openxmlformats.org/officeDocument/2006/customXml" ds:itemID="{F990F116-B58F-4255-B05B-DA3808E0E5C6}">
   <ds:schemaRefs>
-    <ds:schemaRef ds:uri="http://schemas.microsoft.com/VisualStudio/2011/storyboarding/control"/>
+    <ds:schemaRef ds:uri="http://schemas.microsoft.com/office/2006/metadata/properties"/>
+    <ds:schemaRef ds:uri="http://schemas.microsoft.com/office/2006/documentManagement/types"/>
+    <ds:schemaRef ds:uri="http://purl.org/dc/dcmitype/"/>
+    <ds:schemaRef ds:uri="83cd2334-221a-48c3-9034-bfd1542dfe28"/>
+    <ds:schemaRef ds:uri="http://schemas.openxmlformats.org/package/2006/metadata/core-properties"/>
+    <ds:schemaRef ds:uri="http://schemas.microsoft.com/office/infopath/2007/PartnerControls"/>
+    <ds:schemaRef ds:uri="http://www.w3.org/XML/1998/namespace"/>
+    <ds:schemaRef ds:uri="http://purl.org/dc/terms/"/>
+    <ds:schemaRef ds:uri="http://purl.org/dc/elements/1.1/"/>
   </ds:schemaRefs>
 </ds:datastoreItem>
 </file>
 
 <file path=customXml/itemProps33.xml><?xml version="1.0" encoding="utf-8"?>
-<ds:datastoreItem xmlns:ds="http://schemas.openxmlformats.org/officeDocument/2006/customXml" ds:itemID="{67213E6F-7B96-4222-888B-63710B06D885}">
+<ds:datastoreItem xmlns:ds="http://schemas.openxmlformats.org/officeDocument/2006/customXml" ds:itemID="{8BD595CA-AC5E-43B9-B966-E468A16E8322}">
   <ds:schemaRefs>
     <ds:schemaRef ds:uri="http://schemas.microsoft.com/VisualStudio/2011/storyboarding/control"/>
   </ds:schemaRefs>
@@ -49485,7 +50174,7 @@
 </file>
 
 <file path=customXml/itemProps34.xml><?xml version="1.0" encoding="utf-8"?>
-<ds:datastoreItem xmlns:ds="http://schemas.openxmlformats.org/officeDocument/2006/customXml" ds:itemID="{38217AA1-CC95-49A9-B284-2ED4D347D7CA}">
+<ds:datastoreItem xmlns:ds="http://schemas.openxmlformats.org/officeDocument/2006/customXml" ds:itemID="{4C1B3C27-4803-4D72-A3F8-6668A3F0A24B}">
   <ds:schemaRefs>
     <ds:schemaRef ds:uri="http://schemas.microsoft.com/VisualStudio/2011/storyboarding/control"/>
   </ds:schemaRefs>
@@ -49493,7 +50182,7 @@
 </file>
 
 <file path=customXml/itemProps35.xml><?xml version="1.0" encoding="utf-8"?>
-<ds:datastoreItem xmlns:ds="http://schemas.openxmlformats.org/officeDocument/2006/customXml" ds:itemID="{C0F92A87-A216-45A9-B9C0-0515663D35BF}">
+<ds:datastoreItem xmlns:ds="http://schemas.openxmlformats.org/officeDocument/2006/customXml" ds:itemID="{376216F9-AF6B-4844-AE8C-B9F953F916AB}">
   <ds:schemaRefs>
     <ds:schemaRef ds:uri="http://schemas.microsoft.com/VisualStudio/2011/storyboarding/control"/>
   </ds:schemaRefs>
@@ -49501,7 +50190,7 @@
 </file>
 
 <file path=customXml/itemProps4.xml><?xml version="1.0" encoding="utf-8"?>
-<ds:datastoreItem xmlns:ds="http://schemas.openxmlformats.org/officeDocument/2006/customXml" ds:itemID="{50326EE5-754B-4E02-99C4-DDA8AB4ABBEE}">
+<ds:datastoreItem xmlns:ds="http://schemas.openxmlformats.org/officeDocument/2006/customXml" ds:itemID="{758FDAC0-319D-4A54-8D8E-1D42CB1F8004}">
   <ds:schemaRefs>
     <ds:schemaRef ds:uri="http://schemas.microsoft.com/sharepoint/v3/contenttype/forms"/>
   </ds:schemaRefs>
@@ -49509,7 +50198,7 @@
 </file>
 
 <file path=customXml/itemProps5.xml><?xml version="1.0" encoding="utf-8"?>
-<ds:datastoreItem xmlns:ds="http://schemas.openxmlformats.org/officeDocument/2006/customXml" ds:itemID="{ED350DFE-2319-4AB0-BC96-1D36D125365A}">
+<ds:datastoreItem xmlns:ds="http://schemas.openxmlformats.org/officeDocument/2006/customXml" ds:itemID="{42D603BF-B513-4201-A599-21BA0F4FFC40}">
   <ds:schemaRefs>
     <ds:schemaRef ds:uri="http://schemas.microsoft.com/VisualStudio/2011/storyboarding/control"/>
   </ds:schemaRefs>
@@ -49517,7 +50206,7 @@
 </file>
 
 <file path=customXml/itemProps6.xml><?xml version="1.0" encoding="utf-8"?>
-<ds:datastoreItem xmlns:ds="http://schemas.openxmlformats.org/officeDocument/2006/customXml" ds:itemID="{8BD595CA-AC5E-43B9-B966-E468A16E8322}">
+<ds:datastoreItem xmlns:ds="http://schemas.openxmlformats.org/officeDocument/2006/customXml" ds:itemID="{0B54C583-7BAB-4080-8093-C5F84F5A225A}">
   <ds:schemaRefs>
     <ds:schemaRef ds:uri="http://schemas.microsoft.com/VisualStudio/2011/storyboarding/control"/>
   </ds:schemaRefs>
@@ -49525,15 +50214,15 @@
 </file>
 
 <file path=customXml/itemProps7.xml><?xml version="1.0" encoding="utf-8"?>
-<ds:datastoreItem xmlns:ds="http://schemas.openxmlformats.org/officeDocument/2006/customXml" ds:itemID="{758FDAC0-319D-4A54-8D8E-1D42CB1F8004}">
+<ds:datastoreItem xmlns:ds="http://schemas.openxmlformats.org/officeDocument/2006/customXml" ds:itemID="{4E805D65-1532-4BB0-8F41-8013167C0009}">
   <ds:schemaRefs>
-    <ds:schemaRef ds:uri="http://schemas.microsoft.com/sharepoint/v3/contenttype/forms"/>
+    <ds:schemaRef ds:uri="http://schemas.microsoft.com/VisualStudio/2011/storyboarding/control"/>
   </ds:schemaRefs>
 </ds:datastoreItem>
 </file>
 
 <file path=customXml/itemProps8.xml><?xml version="1.0" encoding="utf-8"?>
-<ds:datastoreItem xmlns:ds="http://schemas.openxmlformats.org/officeDocument/2006/customXml" ds:itemID="{366CA990-F93D-4100-9654-65D9E30F4E1C}">
+<ds:datastoreItem xmlns:ds="http://schemas.openxmlformats.org/officeDocument/2006/customXml" ds:itemID="{8893E80D-6D0C-4E0F-AA22-E5615BB87E5B}">
   <ds:schemaRefs>
     <ds:schemaRef ds:uri="http://schemas.microsoft.com/VisualStudio/2011/storyboarding/control"/>
   </ds:schemaRefs>
@@ -49541,7 +50230,7 @@
 </file>
 
 <file path=customXml/itemProps9.xml><?xml version="1.0" encoding="utf-8"?>
-<ds:datastoreItem xmlns:ds="http://schemas.openxmlformats.org/officeDocument/2006/customXml" ds:itemID="{C63AC2F0-1DEB-4E91-A88A-7A014A172F4F}">
+<ds:datastoreItem xmlns:ds="http://schemas.openxmlformats.org/officeDocument/2006/customXml" ds:itemID="{21F6B647-976A-41D0-B760-9DF9DFC6AE3C}">
   <ds:schemaRefs>
     <ds:schemaRef ds:uri="http://schemas.microsoft.com/VisualStudio/2011/storyboarding/control"/>
   </ds:schemaRefs>
